--- a/For Synthèse/Diapo ISN.pptx
+++ b/For Synthèse/Diapo ISN.pptx
@@ -10,11 +10,14 @@
     <p:sldId id="258" r:id="rId4"/>
     <p:sldId id="259" r:id="rId5"/>
     <p:sldId id="264" r:id="rId6"/>
-    <p:sldId id="261" r:id="rId7"/>
-    <p:sldId id="260" r:id="rId8"/>
-    <p:sldId id="262" r:id="rId9"/>
-    <p:sldId id="263" r:id="rId10"/>
-    <p:sldId id="265" r:id="rId11"/>
+    <p:sldId id="267" r:id="rId7"/>
+    <p:sldId id="268" r:id="rId8"/>
+    <p:sldId id="269" r:id="rId9"/>
+    <p:sldId id="270" r:id="rId10"/>
+    <p:sldId id="261" r:id="rId11"/>
+    <p:sldId id="260" r:id="rId12"/>
+    <p:sldId id="262" r:id="rId13"/>
+    <p:sldId id="265" r:id="rId14"/>
   </p:sldIdLst>
   <p:sldSz cx="9144000" cy="6858000" type="screen4x3"/>
   <p:notesSz cx="6858000" cy="9144000"/>
@@ -250,7 +253,8 @@
           <a:p>
             <a:fld id="{2F661515-0D7C-4581-BC12-3935EA53BB85}" type="datetimeFigureOut">
               <a:rPr lang="fr-FR" smtClean="0"/>
-              <a:t>30/05/2014</a:t>
+              <a:pPr/>
+              <a:t>01/06/2014</a:t>
             </a:fld>
             <a:endParaRPr lang="fr-FR"/>
           </a:p>
@@ -296,6 +300,7 @@
           <a:p>
             <a:fld id="{30A31BB6-1241-4001-B566-6E260AADF0E3}" type="slidenum">
               <a:rPr lang="fr-FR" smtClean="0"/>
+              <a:pPr/>
               <a:t>‹N°›</a:t>
             </a:fld>
             <a:endParaRPr lang="fr-FR"/>
@@ -563,7 +568,8 @@
           <a:p>
             <a:fld id="{2F661515-0D7C-4581-BC12-3935EA53BB85}" type="datetimeFigureOut">
               <a:rPr lang="fr-FR" smtClean="0"/>
-              <a:t>30/05/2014</a:t>
+              <a:pPr/>
+              <a:t>01/06/2014</a:t>
             </a:fld>
             <a:endParaRPr lang="fr-FR"/>
           </a:p>
@@ -609,6 +615,7 @@
           <a:p>
             <a:fld id="{30A31BB6-1241-4001-B566-6E260AADF0E3}" type="slidenum">
               <a:rPr lang="fr-FR" smtClean="0"/>
+              <a:pPr/>
               <a:t>‹N°›</a:t>
             </a:fld>
             <a:endParaRPr lang="fr-FR"/>
@@ -748,7 +755,8 @@
           <a:p>
             <a:fld id="{2F661515-0D7C-4581-BC12-3935EA53BB85}" type="datetimeFigureOut">
               <a:rPr lang="fr-FR" smtClean="0"/>
-              <a:t>30/05/2014</a:t>
+              <a:pPr/>
+              <a:t>01/06/2014</a:t>
             </a:fld>
             <a:endParaRPr lang="fr-FR"/>
           </a:p>
@@ -794,6 +802,7 @@
           <a:p>
             <a:fld id="{30A31BB6-1241-4001-B566-6E260AADF0E3}" type="slidenum">
               <a:rPr lang="fr-FR" smtClean="0"/>
+              <a:pPr/>
               <a:t>‹N°›</a:t>
             </a:fld>
             <a:endParaRPr lang="fr-FR"/>
@@ -923,7 +932,8 @@
           <a:p>
             <a:fld id="{2F661515-0D7C-4581-BC12-3935EA53BB85}" type="datetimeFigureOut">
               <a:rPr lang="fr-FR" smtClean="0"/>
-              <a:t>30/05/2014</a:t>
+              <a:pPr/>
+              <a:t>01/06/2014</a:t>
             </a:fld>
             <a:endParaRPr lang="fr-FR"/>
           </a:p>
@@ -969,6 +979,7 @@
           <a:p>
             <a:fld id="{30A31BB6-1241-4001-B566-6E260AADF0E3}" type="slidenum">
               <a:rPr lang="fr-FR" smtClean="0"/>
+              <a:pPr/>
               <a:t>‹N°›</a:t>
             </a:fld>
             <a:endParaRPr lang="fr-FR"/>
@@ -1191,7 +1202,8 @@
           <a:p>
             <a:fld id="{2F661515-0D7C-4581-BC12-3935EA53BB85}" type="datetimeFigureOut">
               <a:rPr lang="fr-FR" smtClean="0"/>
-              <a:t>30/05/2014</a:t>
+              <a:pPr/>
+              <a:t>01/06/2014</a:t>
             </a:fld>
             <a:endParaRPr lang="fr-FR"/>
           </a:p>
@@ -1237,6 +1249,7 @@
           <a:p>
             <a:fld id="{30A31BB6-1241-4001-B566-6E260AADF0E3}" type="slidenum">
               <a:rPr lang="fr-FR" smtClean="0"/>
+              <a:pPr/>
               <a:t>‹N°›</a:t>
             </a:fld>
             <a:endParaRPr lang="fr-FR"/>
@@ -1659,7 +1672,8 @@
           <a:p>
             <a:fld id="{2F661515-0D7C-4581-BC12-3935EA53BB85}" type="datetimeFigureOut">
               <a:rPr lang="fr-FR" smtClean="0"/>
-              <a:t>30/05/2014</a:t>
+              <a:pPr/>
+              <a:t>01/06/2014</a:t>
             </a:fld>
             <a:endParaRPr lang="fr-FR"/>
           </a:p>
@@ -1705,6 +1719,7 @@
           <a:p>
             <a:fld id="{30A31BB6-1241-4001-B566-6E260AADF0E3}" type="slidenum">
               <a:rPr lang="fr-FR" smtClean="0"/>
+              <a:pPr/>
               <a:t>‹N°›</a:t>
             </a:fld>
             <a:endParaRPr lang="fr-FR"/>
@@ -2148,7 +2163,8 @@
           <a:p>
             <a:fld id="{2F661515-0D7C-4581-BC12-3935EA53BB85}" type="datetimeFigureOut">
               <a:rPr lang="fr-FR" smtClean="0"/>
-              <a:t>30/05/2014</a:t>
+              <a:pPr/>
+              <a:t>01/06/2014</a:t>
             </a:fld>
             <a:endParaRPr lang="fr-FR"/>
           </a:p>
@@ -2194,6 +2210,7 @@
           <a:p>
             <a:fld id="{30A31BB6-1241-4001-B566-6E260AADF0E3}" type="slidenum">
               <a:rPr lang="fr-FR" smtClean="0"/>
+              <a:pPr/>
               <a:t>‹N°›</a:t>
             </a:fld>
             <a:endParaRPr lang="fr-FR"/>
@@ -2274,7 +2291,8 @@
           <a:p>
             <a:fld id="{2F661515-0D7C-4581-BC12-3935EA53BB85}" type="datetimeFigureOut">
               <a:rPr lang="fr-FR" smtClean="0"/>
-              <a:t>30/05/2014</a:t>
+              <a:pPr/>
+              <a:t>01/06/2014</a:t>
             </a:fld>
             <a:endParaRPr lang="fr-FR"/>
           </a:p>
@@ -2320,6 +2338,7 @@
           <a:p>
             <a:fld id="{30A31BB6-1241-4001-B566-6E260AADF0E3}" type="slidenum">
               <a:rPr lang="fr-FR" smtClean="0"/>
+              <a:pPr/>
               <a:t>‹N°›</a:t>
             </a:fld>
             <a:endParaRPr lang="fr-FR"/>
@@ -2418,7 +2437,8 @@
           <a:p>
             <a:fld id="{2F661515-0D7C-4581-BC12-3935EA53BB85}" type="datetimeFigureOut">
               <a:rPr lang="fr-FR" smtClean="0"/>
-              <a:t>30/05/2014</a:t>
+              <a:pPr/>
+              <a:t>01/06/2014</a:t>
             </a:fld>
             <a:endParaRPr lang="fr-FR"/>
           </a:p>
@@ -2464,6 +2484,7 @@
           <a:p>
             <a:fld id="{30A31BB6-1241-4001-B566-6E260AADF0E3}" type="slidenum">
               <a:rPr lang="fr-FR" smtClean="0"/>
+              <a:pPr/>
               <a:t>‹N°›</a:t>
             </a:fld>
             <a:endParaRPr lang="fr-FR"/>
@@ -2740,7 +2761,8 @@
           <a:p>
             <a:fld id="{2F661515-0D7C-4581-BC12-3935EA53BB85}" type="datetimeFigureOut">
               <a:rPr lang="fr-FR" smtClean="0"/>
-              <a:t>30/05/2014</a:t>
+              <a:pPr/>
+              <a:t>01/06/2014</a:t>
             </a:fld>
             <a:endParaRPr lang="fr-FR"/>
           </a:p>
@@ -2786,6 +2808,7 @@
           <a:p>
             <a:fld id="{30A31BB6-1241-4001-B566-6E260AADF0E3}" type="slidenum">
               <a:rPr lang="fr-FR" smtClean="0"/>
+              <a:pPr/>
               <a:t>‹N°›</a:t>
             </a:fld>
             <a:endParaRPr lang="fr-FR"/>
@@ -2874,7 +2897,8 @@
           <a:p>
             <a:fld id="{2F661515-0D7C-4581-BC12-3935EA53BB85}" type="datetimeFigureOut">
               <a:rPr lang="fr-FR" smtClean="0"/>
-              <a:t>30/05/2014</a:t>
+              <a:pPr/>
+              <a:t>01/06/2014</a:t>
             </a:fld>
             <a:endParaRPr lang="fr-FR"/>
           </a:p>
@@ -2920,6 +2944,7 @@
           <a:p>
             <a:fld id="{30A31BB6-1241-4001-B566-6E260AADF0E3}" type="slidenum">
               <a:rPr lang="fr-FR" smtClean="0"/>
+              <a:pPr/>
               <a:t>‹N°›</a:t>
             </a:fld>
             <a:endParaRPr lang="fr-FR"/>
@@ -3655,7 +3680,8 @@
           <a:p>
             <a:fld id="{2F661515-0D7C-4581-BC12-3935EA53BB85}" type="datetimeFigureOut">
               <a:rPr lang="fr-FR" smtClean="0"/>
-              <a:t>30/05/2014</a:t>
+              <a:pPr/>
+              <a:t>01/06/2014</a:t>
             </a:fld>
             <a:endParaRPr lang="fr-FR"/>
           </a:p>
@@ -3739,6 +3765,7 @@
           <a:p>
             <a:fld id="{30A31BB6-1241-4001-B566-6E260AADF0E3}" type="slidenum">
               <a:rPr lang="fr-FR" smtClean="0"/>
+              <a:pPr/>
               <a:t>‹N°›</a:t>
             </a:fld>
             <a:endParaRPr lang="fr-FR"/>
@@ -4271,6 +4298,634 @@
           <a:chExt cx="0" cy="0"/>
         </a:xfrm>
       </p:grpSpPr>
+      <p:sp>
+        <p:nvSpPr>
+          <p:cNvPr id="2" name="Titre 1"/>
+          <p:cNvSpPr>
+            <a:spLocks noGrp="1"/>
+          </p:cNvSpPr>
+          <p:nvPr>
+            <p:ph type="title"/>
+          </p:nvPr>
+        </p:nvSpPr>
+        <p:spPr/>
+        <p:txBody>
+          <a:bodyPr/>
+          <a:lstStyle/>
+          <a:p>
+            <a:r>
+              <a:rPr lang="fr-FR" dirty="0" smtClean="0"/>
+              <a:t>Les « </a:t>
+            </a:r>
+            <a:r>
+              <a:rPr lang="fr-FR" dirty="0" err="1" smtClean="0"/>
+              <a:t>CaseListes</a:t>
+            </a:r>
+            <a:r>
+              <a:rPr lang="fr-FR" dirty="0" smtClean="0"/>
+              <a:t> »</a:t>
+            </a:r>
+            <a:endParaRPr lang="fr-FR" dirty="0"/>
+          </a:p>
+        </p:txBody>
+      </p:sp>
+      <p:sp>
+        <p:nvSpPr>
+          <p:cNvPr id="3" name="Espace réservé du contenu 2"/>
+          <p:cNvSpPr>
+            <a:spLocks noGrp="1"/>
+          </p:cNvSpPr>
+          <p:nvPr>
+            <p:ph idx="1"/>
+          </p:nvPr>
+        </p:nvSpPr>
+        <p:spPr>
+          <a:xfrm>
+            <a:off x="1142976" y="1447800"/>
+            <a:ext cx="8001024" cy="4800600"/>
+          </a:xfrm>
+        </p:spPr>
+        <p:txBody>
+          <a:bodyPr>
+            <a:normAutofit fontScale="92500"/>
+          </a:bodyPr>
+          <a:lstStyle/>
+          <a:p>
+            <a:r>
+              <a:rPr lang="fr-FR" dirty="0" smtClean="0"/>
+              <a:t>Exemple: [(105, 105), 1, 0, 1]</a:t>
+            </a:r>
+          </a:p>
+          <a:p>
+            <a:pPr lvl="1"/>
+            <a:r>
+              <a:rPr lang="fr-FR" dirty="0" smtClean="0"/>
+              <a:t>1</a:t>
+            </a:r>
+            <a:r>
+              <a:rPr lang="fr-FR" baseline="30000" dirty="0" smtClean="0"/>
+              <a:t>er</a:t>
+            </a:r>
+            <a:r>
+              <a:rPr lang="fr-FR" dirty="0" smtClean="0"/>
+              <a:t> </a:t>
+            </a:r>
+            <a:r>
+              <a:rPr lang="fr-FR" dirty="0" smtClean="0"/>
+              <a:t>terme : </a:t>
+            </a:r>
+            <a:r>
+              <a:rPr lang="fr-FR" dirty="0" smtClean="0"/>
+              <a:t>Tuple </a:t>
+            </a:r>
+            <a:r>
+              <a:rPr lang="fr-FR" dirty="0" smtClean="0"/>
+              <a:t>Coordonnées</a:t>
+            </a:r>
+            <a:endParaRPr lang="fr-FR" dirty="0" smtClean="0"/>
+          </a:p>
+          <a:p>
+            <a:pPr lvl="1"/>
+            <a:r>
+              <a:rPr lang="fr-FR" dirty="0" smtClean="0"/>
+              <a:t>2</a:t>
+            </a:r>
+            <a:r>
+              <a:rPr lang="fr-FR" baseline="30000" dirty="0" smtClean="0"/>
+              <a:t>e</a:t>
+            </a:r>
+            <a:r>
+              <a:rPr lang="fr-FR" dirty="0" smtClean="0"/>
+              <a:t> </a:t>
+            </a:r>
+            <a:r>
+              <a:rPr lang="fr-FR" dirty="0" smtClean="0"/>
+              <a:t>terme : </a:t>
+            </a:r>
+            <a:r>
+              <a:rPr lang="fr-FR" dirty="0" smtClean="0"/>
+              <a:t>variable « Bateau/ Pas Bateau »</a:t>
+            </a:r>
+          </a:p>
+          <a:p>
+            <a:pPr lvl="1"/>
+            <a:r>
+              <a:rPr lang="fr-FR" dirty="0" smtClean="0"/>
+              <a:t>3</a:t>
+            </a:r>
+            <a:r>
+              <a:rPr lang="fr-FR" baseline="30000" dirty="0" smtClean="0"/>
+              <a:t>e</a:t>
+            </a:r>
+            <a:r>
+              <a:rPr lang="fr-FR" dirty="0" smtClean="0"/>
+              <a:t> </a:t>
+            </a:r>
+            <a:r>
+              <a:rPr lang="fr-FR" dirty="0" smtClean="0"/>
+              <a:t>terme : </a:t>
+            </a:r>
+            <a:r>
+              <a:rPr lang="fr-FR" dirty="0" smtClean="0"/>
+              <a:t>variable « Touché/Pas Touché »</a:t>
+            </a:r>
+          </a:p>
+          <a:p>
+            <a:pPr lvl="1"/>
+            <a:r>
+              <a:rPr lang="fr-FR" dirty="0" smtClean="0"/>
+              <a:t>4</a:t>
+            </a:r>
+            <a:r>
+              <a:rPr lang="fr-FR" baseline="30000" dirty="0" smtClean="0"/>
+              <a:t>e</a:t>
+            </a:r>
+            <a:r>
+              <a:rPr lang="fr-FR" dirty="0" smtClean="0"/>
+              <a:t> </a:t>
+            </a:r>
+            <a:r>
+              <a:rPr lang="fr-FR" dirty="0" smtClean="0"/>
+              <a:t>terme : </a:t>
+            </a:r>
+            <a:r>
+              <a:rPr lang="fr-FR" dirty="0" smtClean="0"/>
+              <a:t>variable « Vérifier/Pas Vérifier »</a:t>
+            </a:r>
+          </a:p>
+          <a:p>
+            <a:r>
+              <a:rPr lang="fr-FR" dirty="0" smtClean="0"/>
+              <a:t>Utilité :  </a:t>
+            </a:r>
+            <a:r>
+              <a:rPr lang="fr-FR" dirty="0" smtClean="0"/>
+              <a:t>Virtualiser la grille (pour l’ordinateur)</a:t>
+            </a:r>
+          </a:p>
+          <a:p>
+            <a:pPr lvl="1"/>
+            <a:r>
+              <a:rPr lang="fr-FR" dirty="0" smtClean="0"/>
+              <a:t>Gestion du jeu simple </a:t>
+            </a:r>
+            <a:r>
+              <a:rPr lang="fr-FR" dirty="0" smtClean="0"/>
+              <a:t>et </a:t>
+            </a:r>
+            <a:r>
+              <a:rPr lang="fr-FR" dirty="0" smtClean="0"/>
+              <a:t>efficace</a:t>
+            </a:r>
+            <a:endParaRPr lang="fr-FR" dirty="0" smtClean="0"/>
+          </a:p>
+          <a:p>
+            <a:pPr lvl="1"/>
+            <a:r>
+              <a:rPr lang="fr-FR" dirty="0" smtClean="0"/>
+              <a:t>Intégration dans les </a:t>
+            </a:r>
+            <a:r>
+              <a:rPr lang="fr-FR" dirty="0" smtClean="0"/>
+              <a:t>listes : </a:t>
+            </a:r>
+            <a:r>
+              <a:rPr lang="fr-FR" dirty="0" smtClean="0"/>
+              <a:t>« </a:t>
+            </a:r>
+            <a:r>
+              <a:rPr lang="fr-FR" dirty="0" smtClean="0"/>
+              <a:t>Grille1</a:t>
+            </a:r>
+            <a:r>
+              <a:rPr lang="fr-FR" dirty="0" smtClean="0"/>
+              <a:t> » et « Grille2 » (contenant les cases de chaque grille dans l’ordre)</a:t>
+            </a:r>
+            <a:endParaRPr lang="fr-FR" dirty="0"/>
+          </a:p>
+        </p:txBody>
+      </p:sp>
+    </p:spTree>
+  </p:cSld>
+  <p:clrMapOvr>
+    <a:masterClrMapping/>
+  </p:clrMapOvr>
+  <p:timing>
+    <p:tnLst>
+      <p:par>
+        <p:cTn id="1" dur="indefinite" restart="never" nodeType="tmRoot"/>
+      </p:par>
+    </p:tnLst>
+  </p:timing>
+</p:sld>
+</file>
+
+<file path=ppt/slides/slide11.xml><?xml version="1.0" encoding="utf-8"?>
+<p:sld xmlns:a="http://schemas.openxmlformats.org/drawingml/2006/main" xmlns:r="http://schemas.openxmlformats.org/officeDocument/2006/relationships" xmlns:p="http://schemas.openxmlformats.org/presentationml/2006/main">
+  <p:cSld>
+    <p:spTree>
+      <p:nvGrpSpPr>
+        <p:cNvPr id="1" name=""/>
+        <p:cNvGrpSpPr/>
+        <p:nvPr/>
+      </p:nvGrpSpPr>
+      <p:grpSpPr>
+        <a:xfrm>
+          <a:off x="0" y="0"/>
+          <a:ext cx="0" cy="0"/>
+          <a:chOff x="0" y="0"/>
+          <a:chExt cx="0" cy="0"/>
+        </a:xfrm>
+      </p:grpSpPr>
+      <p:sp>
+        <p:nvSpPr>
+          <p:cNvPr id="2" name="Titre 1"/>
+          <p:cNvSpPr>
+            <a:spLocks noGrp="1"/>
+          </p:cNvSpPr>
+          <p:nvPr>
+            <p:ph type="title"/>
+          </p:nvPr>
+        </p:nvSpPr>
+        <p:spPr>
+          <a:xfrm>
+            <a:off x="1071538" y="274638"/>
+            <a:ext cx="8072462" cy="1143000"/>
+          </a:xfrm>
+        </p:spPr>
+        <p:txBody>
+          <a:bodyPr>
+            <a:normAutofit/>
+          </a:bodyPr>
+          <a:lstStyle/>
+          <a:p>
+            <a:r>
+              <a:rPr lang="fr-FR" sz="3600" dirty="0" smtClean="0"/>
+              <a:t>Le Positionnement d’un Navire du Joueur</a:t>
+            </a:r>
+            <a:endParaRPr lang="fr-FR" sz="3600" dirty="0"/>
+          </a:p>
+        </p:txBody>
+      </p:sp>
+      <p:sp>
+        <p:nvSpPr>
+          <p:cNvPr id="3" name="Espace réservé du contenu 2"/>
+          <p:cNvSpPr>
+            <a:spLocks noGrp="1"/>
+          </p:cNvSpPr>
+          <p:nvPr>
+            <p:ph idx="1"/>
+          </p:nvPr>
+        </p:nvSpPr>
+        <p:spPr>
+          <a:xfrm>
+            <a:off x="1071538" y="1447800"/>
+            <a:ext cx="8072462" cy="4800600"/>
+          </a:xfrm>
+        </p:spPr>
+        <p:txBody>
+          <a:bodyPr>
+            <a:normAutofit/>
+          </a:bodyPr>
+          <a:lstStyle/>
+          <a:p>
+            <a:r>
+              <a:rPr lang="fr-FR" dirty="0" smtClean="0"/>
+              <a:t>5 </a:t>
+            </a:r>
+            <a:r>
+              <a:rPr lang="fr-FR" dirty="0" smtClean="0"/>
+              <a:t>étapes :</a:t>
+            </a:r>
+            <a:endParaRPr lang="fr-FR" dirty="0" smtClean="0"/>
+          </a:p>
+          <a:p>
+            <a:pPr lvl="1"/>
+            <a:r>
+              <a:rPr lang="fr-FR" dirty="0" smtClean="0"/>
+              <a:t>1 – entrer le navire et sa case</a:t>
+            </a:r>
+          </a:p>
+          <a:p>
+            <a:pPr lvl="1"/>
+            <a:r>
+              <a:rPr lang="fr-FR" dirty="0" smtClean="0"/>
+              <a:t>2 – vérifier qu’il puisse être placé à l’emplacement voulu (« </a:t>
+            </a:r>
+            <a:r>
+              <a:rPr lang="fr-FR" dirty="0" err="1" smtClean="0"/>
+              <a:t>vérif</a:t>
+            </a:r>
+            <a:r>
+              <a:rPr lang="fr-FR" dirty="0" smtClean="0"/>
+              <a:t> brute »)</a:t>
+            </a:r>
+          </a:p>
+          <a:p>
+            <a:pPr lvl="1"/>
+            <a:r>
+              <a:rPr lang="fr-FR" dirty="0" smtClean="0"/>
+              <a:t>3 – </a:t>
+            </a:r>
+            <a:r>
+              <a:rPr lang="fr-FR" dirty="0" smtClean="0"/>
+              <a:t>intégrer </a:t>
+            </a:r>
+            <a:r>
+              <a:rPr lang="fr-FR" dirty="0" smtClean="0"/>
+              <a:t>le navire virtuellement (à l’aide de la variable « Bateau/ Pas Bateau »)</a:t>
+            </a:r>
+          </a:p>
+          <a:p>
+            <a:pPr lvl="1"/>
+            <a:r>
+              <a:rPr lang="fr-FR" dirty="0" smtClean="0"/>
+              <a:t>4 – </a:t>
+            </a:r>
+            <a:r>
+              <a:rPr lang="fr-FR" dirty="0" smtClean="0"/>
+              <a:t>afficher graphiquement le </a:t>
+            </a:r>
+            <a:r>
+              <a:rPr lang="fr-FR" dirty="0" smtClean="0"/>
+              <a:t>navire</a:t>
+            </a:r>
+          </a:p>
+          <a:p>
+            <a:pPr lvl="1"/>
+            <a:r>
+              <a:rPr lang="fr-FR" dirty="0" smtClean="0"/>
+              <a:t>5 – </a:t>
+            </a:r>
+            <a:r>
+              <a:rPr lang="fr-FR" dirty="0" smtClean="0"/>
+              <a:t>vérifier le </a:t>
+            </a:r>
+            <a:r>
+              <a:rPr lang="fr-FR" dirty="0" smtClean="0"/>
+              <a:t>respect des règles </a:t>
+            </a:r>
+            <a:r>
+              <a:rPr lang="fr-FR" dirty="0" smtClean="0"/>
+              <a:t>(à la </a:t>
+            </a:r>
+            <a:r>
+              <a:rPr lang="fr-FR" dirty="0" smtClean="0"/>
+              <a:t>fin, « </a:t>
+            </a:r>
+            <a:r>
+              <a:rPr lang="fr-FR" dirty="0" err="1" smtClean="0"/>
+              <a:t>vérif</a:t>
+            </a:r>
+            <a:r>
+              <a:rPr lang="fr-FR" dirty="0" smtClean="0"/>
+              <a:t> finale »)</a:t>
+            </a:r>
+          </a:p>
+        </p:txBody>
+      </p:sp>
+    </p:spTree>
+  </p:cSld>
+  <p:clrMapOvr>
+    <a:masterClrMapping/>
+  </p:clrMapOvr>
+  <p:timing>
+    <p:tnLst>
+      <p:par>
+        <p:cTn id="1" dur="indefinite" restart="never" nodeType="tmRoot"/>
+      </p:par>
+    </p:tnLst>
+  </p:timing>
+</p:sld>
+</file>
+
+<file path=ppt/slides/slide12.xml><?xml version="1.0" encoding="utf-8"?>
+<p:sld xmlns:a="http://schemas.openxmlformats.org/drawingml/2006/main" xmlns:r="http://schemas.openxmlformats.org/officeDocument/2006/relationships" xmlns:p="http://schemas.openxmlformats.org/presentationml/2006/main">
+  <p:cSld>
+    <p:spTree>
+      <p:nvGrpSpPr>
+        <p:cNvPr id="1" name=""/>
+        <p:cNvGrpSpPr/>
+        <p:nvPr/>
+      </p:nvGrpSpPr>
+      <p:grpSpPr>
+        <a:xfrm>
+          <a:off x="0" y="0"/>
+          <a:ext cx="0" cy="0"/>
+          <a:chOff x="0" y="0"/>
+          <a:chExt cx="0" cy="0"/>
+        </a:xfrm>
+      </p:grpSpPr>
+      <p:sp>
+        <p:nvSpPr>
+          <p:cNvPr id="2" name="Titre 1"/>
+          <p:cNvSpPr>
+            <a:spLocks noGrp="1"/>
+          </p:cNvSpPr>
+          <p:nvPr>
+            <p:ph type="title"/>
+          </p:nvPr>
+        </p:nvSpPr>
+        <p:spPr/>
+        <p:txBody>
+          <a:bodyPr>
+            <a:normAutofit fontScale="90000"/>
+          </a:bodyPr>
+          <a:lstStyle/>
+          <a:p>
+            <a:r>
+              <a:rPr lang="fr-FR" dirty="0" smtClean="0"/>
+              <a:t>Programme de Recherche de l’IA</a:t>
+            </a:r>
+            <a:endParaRPr lang="fr-FR" dirty="0"/>
+          </a:p>
+        </p:txBody>
+      </p:sp>
+      <p:sp>
+        <p:nvSpPr>
+          <p:cNvPr id="3" name="Espace réservé du contenu 2"/>
+          <p:cNvSpPr>
+            <a:spLocks noGrp="1"/>
+          </p:cNvSpPr>
+          <p:nvPr>
+            <p:ph idx="1"/>
+          </p:nvPr>
+        </p:nvSpPr>
+        <p:spPr>
+          <a:xfrm>
+            <a:off x="1435608" y="1447800"/>
+            <a:ext cx="7498080" cy="4981596"/>
+          </a:xfrm>
+        </p:spPr>
+        <p:txBody>
+          <a:bodyPr>
+            <a:normAutofit fontScale="85000" lnSpcReduction="10000"/>
+          </a:bodyPr>
+          <a:lstStyle/>
+          <a:p>
+            <a:r>
+              <a:rPr lang="fr-FR" dirty="0" smtClean="0"/>
+              <a:t>3 </a:t>
+            </a:r>
+            <a:r>
+              <a:rPr lang="fr-FR" dirty="0" smtClean="0"/>
+              <a:t>stratégies de recherche :</a:t>
+            </a:r>
+            <a:endParaRPr lang="fr-FR" dirty="0" smtClean="0"/>
+          </a:p>
+          <a:p>
+            <a:pPr lvl="1"/>
+            <a:r>
+              <a:rPr lang="fr-FR" dirty="0" smtClean="0"/>
+              <a:t>de A </a:t>
+            </a:r>
+            <a:r>
+              <a:rPr lang="fr-FR" dirty="0" smtClean="0">
+                <a:sym typeface="Wingdings" pitchFamily="2" charset="2"/>
+              </a:rPr>
+              <a:t></a:t>
+            </a:r>
+            <a:r>
+              <a:rPr lang="fr-FR" dirty="0" smtClean="0"/>
+              <a:t> </a:t>
+            </a:r>
+            <a:r>
+              <a:rPr lang="fr-FR" dirty="0" smtClean="0"/>
+              <a:t>T</a:t>
+            </a:r>
+            <a:endParaRPr lang="fr-FR" dirty="0" smtClean="0"/>
+          </a:p>
+          <a:p>
+            <a:pPr lvl="1"/>
+            <a:r>
+              <a:rPr lang="fr-FR" dirty="0" smtClean="0"/>
+              <a:t>de </a:t>
+            </a:r>
+            <a:r>
+              <a:rPr lang="fr-FR" dirty="0" smtClean="0"/>
+              <a:t>T </a:t>
+            </a:r>
+            <a:r>
+              <a:rPr lang="fr-FR" dirty="0" smtClean="0">
+                <a:sym typeface="Wingdings" pitchFamily="2" charset="2"/>
+              </a:rPr>
+              <a:t> </a:t>
+            </a:r>
+            <a:r>
+              <a:rPr lang="fr-FR" dirty="0" smtClean="0"/>
+              <a:t>A</a:t>
+            </a:r>
+          </a:p>
+          <a:p>
+            <a:pPr lvl="1"/>
+            <a:r>
+              <a:rPr lang="fr-FR" dirty="0" smtClean="0"/>
+              <a:t>de </a:t>
+            </a:r>
+            <a:r>
+              <a:rPr lang="fr-FR" dirty="0" smtClean="0"/>
+              <a:t>manière aléatoire</a:t>
+            </a:r>
+          </a:p>
+          <a:p>
+            <a:pPr lvl="1">
+              <a:buNone/>
+            </a:pPr>
+            <a:r>
+              <a:rPr lang="fr-FR" dirty="0" smtClean="0">
+                <a:sym typeface="Wingdings" pitchFamily="2" charset="2"/>
+              </a:rPr>
+              <a:t> Changement successif entre les trois</a:t>
+            </a:r>
+            <a:endParaRPr lang="fr-FR" dirty="0" smtClean="0"/>
+          </a:p>
+          <a:p>
+            <a:r>
+              <a:rPr lang="fr-FR" dirty="0" smtClean="0"/>
+              <a:t>Utilise une liste comportant la moitié des cases de la grille du joueur (décompté une sur deux)</a:t>
+            </a:r>
+          </a:p>
+          <a:p>
+            <a:r>
+              <a:rPr lang="fr-FR" dirty="0" smtClean="0"/>
+              <a:t>Affiche la case </a:t>
+            </a:r>
+            <a:r>
+              <a:rPr lang="fr-FR" dirty="0" smtClean="0"/>
+              <a:t>« touché »</a:t>
+            </a:r>
+            <a:endParaRPr lang="fr-FR" dirty="0" smtClean="0"/>
+          </a:p>
+          <a:p>
+            <a:pPr marL="612648" lvl="2" indent="-283464">
+              <a:spcBef>
+                <a:spcPts val="600"/>
+              </a:spcBef>
+              <a:buSzPct val="80000"/>
+              <a:buFont typeface="Courier New" pitchFamily="49" charset="0"/>
+              <a:buChar char="o"/>
+            </a:pPr>
+            <a:r>
+              <a:rPr lang="fr-FR" dirty="0" smtClean="0"/>
+              <a:t>Utilisation de Dictionnaire « Dico_IA » généré par une fonction</a:t>
+            </a:r>
+          </a:p>
+          <a:p>
+            <a:r>
+              <a:rPr lang="fr-FR" dirty="0" smtClean="0"/>
+              <a:t>Pour couler les navires </a:t>
+            </a:r>
+            <a:r>
+              <a:rPr lang="fr-FR" dirty="0" smtClean="0"/>
+              <a:t>touchés, </a:t>
+            </a:r>
+            <a:r>
+              <a:rPr lang="fr-FR" dirty="0" smtClean="0"/>
+              <a:t>l’IA utilise d’autres fonctions</a:t>
+            </a:r>
+          </a:p>
+          <a:p>
+            <a:pPr lvl="1">
+              <a:buNone/>
+            </a:pPr>
+            <a:endParaRPr lang="fr-FR" dirty="0" smtClean="0">
+              <a:sym typeface="Wingdings" pitchFamily="2" charset="2"/>
+            </a:endParaRPr>
+          </a:p>
+        </p:txBody>
+      </p:sp>
+    </p:spTree>
+  </p:cSld>
+  <p:clrMapOvr>
+    <a:masterClrMapping/>
+  </p:clrMapOvr>
+  <p:timing>
+    <p:tnLst>
+      <p:par>
+        <p:cTn id="1" dur="indefinite" restart="never" nodeType="tmRoot"/>
+      </p:par>
+    </p:tnLst>
+  </p:timing>
+</p:sld>
+</file>
+
+<file path=ppt/slides/slide13.xml><?xml version="1.0" encoding="utf-8"?>
+<p:sld xmlns:a="http://schemas.openxmlformats.org/drawingml/2006/main" xmlns:r="http://schemas.openxmlformats.org/officeDocument/2006/relationships" xmlns:p="http://schemas.openxmlformats.org/presentationml/2006/main">
+  <p:cSld>
+    <p:spTree>
+      <p:nvGrpSpPr>
+        <p:cNvPr id="1" name=""/>
+        <p:cNvGrpSpPr/>
+        <p:nvPr/>
+      </p:nvGrpSpPr>
+      <p:grpSpPr>
+        <a:xfrm>
+          <a:off x="0" y="0"/>
+          <a:ext cx="0" cy="0"/>
+          <a:chOff x="0" y="0"/>
+          <a:chExt cx="0" cy="0"/>
+        </a:xfrm>
+      </p:grpSpPr>
       <p:pic>
         <p:nvPicPr>
           <p:cNvPr id="4" name="Espace réservé du contenu 3" descr="Fin Partie.jpg"/>
@@ -4331,7 +4986,7 @@
         <p:spPr>
           <a:xfrm>
             <a:off x="2214546" y="5143512"/>
-            <a:ext cx="4025461" cy="523220"/>
+            <a:ext cx="4476738" cy="523220"/>
           </a:xfrm>
           <a:prstGeom prst="rect">
             <a:avLst/>
@@ -4350,7 +5005,7 @@
                   <a:schemeClr val="accent5"/>
                 </a:solidFill>
               </a:rPr>
-              <a:t>Merci de Votre Attention</a:t>
+              <a:t>Place à une Démonstration</a:t>
             </a:r>
             <a:endParaRPr lang="fr-FR" sz="2800" b="1" i="1" u="sng" dirty="0">
               <a:solidFill>
@@ -4365,6 +5020,13 @@
   <p:clrMapOvr>
     <a:masterClrMapping/>
   </p:clrMapOvr>
+  <p:timing>
+    <p:tnLst>
+      <p:par>
+        <p:cTn id="1" dur="indefinite" restart="never" nodeType="tmRoot"/>
+      </p:par>
+    </p:tnLst>
+  </p:timing>
 </p:sld>
 </file>
 
@@ -4442,7 +5104,15 @@
           <a:p>
             <a:r>
               <a:rPr lang="fr-FR" dirty="0" smtClean="0"/>
-              <a:t>Principe de base du jeu: les « </a:t>
+              <a:t>Principe de base du </a:t>
+            </a:r>
+            <a:r>
+              <a:rPr lang="fr-FR" dirty="0" smtClean="0"/>
+              <a:t>jeu : </a:t>
+            </a:r>
+            <a:r>
+              <a:rPr lang="fr-FR" dirty="0" smtClean="0"/>
+              <a:t>les « </a:t>
             </a:r>
             <a:r>
               <a:rPr lang="fr-FR" dirty="0" err="1" smtClean="0"/>
@@ -4534,61 +5204,115 @@
         </p:nvSpPr>
         <p:spPr/>
         <p:txBody>
-          <a:bodyPr/>
+          <a:bodyPr>
+            <a:normAutofit/>
+          </a:bodyPr>
           <a:lstStyle/>
           <a:p>
             <a:r>
               <a:rPr lang="fr-FR" dirty="0" smtClean="0"/>
-              <a:t>But : Jouer à une bataille contre une Intelligence Artificielle</a:t>
-            </a:r>
-          </a:p>
-          <a:p>
-            <a:r>
-              <a:rPr lang="fr-FR" dirty="0" smtClean="0"/>
-              <a:t>Principaux programmes :</a:t>
+              <a:t>But : Jouer à une bataille </a:t>
+            </a:r>
+            <a:r>
+              <a:rPr lang="fr-FR" dirty="0" smtClean="0"/>
+              <a:t>navale contre </a:t>
+            </a:r>
+            <a:r>
+              <a:rPr lang="fr-FR" dirty="0" smtClean="0"/>
+              <a:t>une Intelligence </a:t>
+            </a:r>
+            <a:r>
+              <a:rPr lang="fr-FR" dirty="0" smtClean="0"/>
+              <a:t>Artificielle</a:t>
+            </a:r>
+          </a:p>
+          <a:p>
+            <a:r>
+              <a:rPr lang="fr-FR" dirty="0" smtClean="0"/>
+              <a:t>Langage utilisé : Python</a:t>
+            </a:r>
+            <a:endParaRPr lang="fr-FR" dirty="0" smtClean="0"/>
+          </a:p>
+          <a:p>
+            <a:r>
+              <a:rPr lang="fr-FR" dirty="0" smtClean="0"/>
+              <a:t>Principaux programmes </a:t>
+            </a:r>
+            <a:r>
+              <a:rPr lang="fr-FR" dirty="0" smtClean="0"/>
+              <a:t>:</a:t>
             </a:r>
           </a:p>
           <a:p>
             <a:pPr lvl="1"/>
             <a:r>
               <a:rPr lang="fr-FR" dirty="0" smtClean="0"/>
-              <a:t>Positionnement des navires</a:t>
-            </a:r>
-          </a:p>
-          <a:p>
-            <a:pPr lvl="1"/>
-            <a:r>
-              <a:rPr lang="fr-FR" dirty="0" smtClean="0"/>
-              <a:t>Tour du Joueur</a:t>
-            </a:r>
-          </a:p>
-          <a:p>
-            <a:pPr lvl="1"/>
-            <a:r>
-              <a:rPr lang="fr-FR" dirty="0" smtClean="0"/>
-              <a:t>Tour de l’IA</a:t>
-            </a:r>
-          </a:p>
-          <a:p>
-            <a:pPr lvl="1"/>
-            <a:r>
-              <a:rPr lang="fr-FR" dirty="0" smtClean="0"/>
-              <a:t>Programme Principale </a:t>
+              <a:t>Programme Principal </a:t>
             </a:r>
             <a:r>
               <a:rPr lang="fr-FR" dirty="0" smtClean="0">
                 <a:sym typeface="Wingdings" pitchFamily="2" charset="2"/>
               </a:rPr>
-              <a:t> Gestionnaire du jeu</a:t>
-            </a:r>
-          </a:p>
-          <a:p>
-            <a:pPr lvl="1"/>
+              <a:t> Gestionnaire du </a:t>
+            </a:r>
             <a:r>
               <a:rPr lang="fr-FR" dirty="0" smtClean="0">
                 <a:sym typeface="Wingdings" pitchFamily="2" charset="2"/>
               </a:rPr>
-              <a:t>Programme de Phrase de l’IA</a:t>
+              <a:t>jeu</a:t>
+            </a:r>
+            <a:endParaRPr lang="fr-FR" dirty="0" smtClean="0"/>
+          </a:p>
+          <a:p>
+            <a:pPr lvl="1"/>
+            <a:r>
+              <a:rPr lang="fr-FR" dirty="0" smtClean="0"/>
+              <a:t>Positionnement </a:t>
+            </a:r>
+            <a:r>
+              <a:rPr lang="fr-FR" dirty="0" smtClean="0"/>
+              <a:t>des navires</a:t>
+            </a:r>
+          </a:p>
+          <a:p>
+            <a:pPr lvl="1"/>
+            <a:r>
+              <a:rPr lang="fr-FR" dirty="0" smtClean="0"/>
+              <a:t>Tour du Joueur</a:t>
+            </a:r>
+          </a:p>
+          <a:p>
+            <a:pPr lvl="1"/>
+            <a:r>
+              <a:rPr lang="fr-FR" dirty="0" smtClean="0"/>
+              <a:t>Tour de l’IA</a:t>
+            </a:r>
+          </a:p>
+          <a:p>
+            <a:pPr lvl="1"/>
+            <a:r>
+              <a:rPr lang="fr-FR" dirty="0" smtClean="0">
+                <a:sym typeface="Wingdings" pitchFamily="2" charset="2"/>
+              </a:rPr>
+              <a:t>Programme </a:t>
+            </a:r>
+            <a:r>
+              <a:rPr lang="fr-FR" dirty="0" smtClean="0">
+                <a:sym typeface="Wingdings" pitchFamily="2" charset="2"/>
+              </a:rPr>
+              <a:t>de </a:t>
+            </a:r>
+            <a:r>
+              <a:rPr lang="fr-FR" dirty="0" smtClean="0">
+                <a:sym typeface="Wingdings" pitchFamily="2" charset="2"/>
+              </a:rPr>
+              <a:t>Phrases </a:t>
+            </a:r>
+            <a:r>
+              <a:rPr lang="fr-FR" dirty="0" smtClean="0">
+                <a:sym typeface="Wingdings" pitchFamily="2" charset="2"/>
+              </a:rPr>
+              <a:t>de l’IA</a:t>
             </a:r>
             <a:endParaRPr lang="fr-FR" dirty="0"/>
           </a:p>
@@ -4636,14 +5360,25 @@
             <p:ph type="title"/>
           </p:nvPr>
         </p:nvSpPr>
-        <p:spPr/>
-        <p:txBody>
-          <a:bodyPr/>
+        <p:spPr>
+          <a:xfrm>
+            <a:off x="1214414" y="274638"/>
+            <a:ext cx="7719274" cy="1143000"/>
+          </a:xfrm>
+        </p:spPr>
+        <p:txBody>
+          <a:bodyPr>
+            <a:normAutofit fontScale="90000"/>
+          </a:bodyPr>
           <a:lstStyle/>
           <a:p>
             <a:r>
               <a:rPr lang="fr-FR" dirty="0" smtClean="0"/>
-              <a:t>Interface Graphique</a:t>
+              <a:t>Présentation de l’Interface </a:t>
+            </a:r>
+            <a:r>
+              <a:rPr lang="fr-FR" dirty="0" smtClean="0"/>
+              <a:t>Graphique</a:t>
             </a:r>
             <a:endParaRPr lang="fr-FR" dirty="0"/>
           </a:p>
@@ -4659,9 +5394,16 @@
             <p:ph idx="1"/>
           </p:nvPr>
         </p:nvSpPr>
-        <p:spPr/>
-        <p:txBody>
-          <a:bodyPr/>
+        <p:spPr>
+          <a:xfrm>
+            <a:off x="1214414" y="1447800"/>
+            <a:ext cx="7719274" cy="4800600"/>
+          </a:xfrm>
+        </p:spPr>
+        <p:txBody>
+          <a:bodyPr>
+            <a:normAutofit/>
+          </a:bodyPr>
           <a:lstStyle/>
           <a:p>
             <a:r>
@@ -4699,30 +5441,51 @@
           <a:p>
             <a:r>
               <a:rPr lang="fr-FR" dirty="0" smtClean="0"/>
-              <a:t>Navires</a:t>
-            </a:r>
-            <a:r>
-              <a:rPr lang="fr-FR" dirty="0" smtClean="0"/>
-              <a:t> </a:t>
-            </a:r>
-            <a:r>
-              <a:rPr lang="fr-FR" dirty="0" smtClean="0"/>
-              <a:t>(deux types)</a:t>
+              <a:t>Navires (deux types)</a:t>
             </a:r>
           </a:p>
           <a:p>
             <a:pPr lvl="1"/>
             <a:r>
               <a:rPr lang="fr-FR" dirty="0" smtClean="0"/>
-              <a:t>Joueur : image réelle au choix parmi plusieurs	</a:t>
+              <a:t>Joueur : </a:t>
+            </a:r>
+            <a:r>
+              <a:rPr lang="fr-FR" dirty="0" smtClean="0"/>
+              <a:t>images réelles </a:t>
+            </a:r>
+            <a:r>
+              <a:rPr lang="fr-FR" dirty="0" smtClean="0"/>
+              <a:t>au choix parmi </a:t>
+            </a:r>
+            <a:r>
+              <a:rPr lang="fr-FR" dirty="0" smtClean="0"/>
+              <a:t>plusieurs</a:t>
             </a:r>
           </a:p>
           <a:p>
             <a:pPr lvl="1"/>
             <a:r>
               <a:rPr lang="fr-FR" dirty="0" smtClean="0"/>
-              <a:t>IA : simple carrée rouge ou bleu</a:t>
-            </a:r>
+              <a:t>IA </a:t>
+            </a:r>
+            <a:r>
+              <a:rPr lang="fr-FR" dirty="0" smtClean="0"/>
+              <a:t>: </a:t>
+            </a:r>
+            <a:r>
+              <a:rPr lang="fr-FR" dirty="0" smtClean="0"/>
+              <a:t>simples carrés rouges </a:t>
+            </a:r>
+            <a:r>
+              <a:rPr lang="fr-FR" dirty="0" smtClean="0"/>
+              <a:t>ou </a:t>
+            </a:r>
+            <a:r>
+              <a:rPr lang="fr-FR" dirty="0" smtClean="0"/>
+              <a:t>bleus</a:t>
+            </a:r>
+            <a:endParaRPr lang="fr-FR" dirty="0" smtClean="0"/>
           </a:p>
         </p:txBody>
       </p:sp>
@@ -4853,133 +5616,36 @@
           <a:p>
             <a:r>
               <a:rPr lang="fr-FR" dirty="0" smtClean="0"/>
-              <a:t>Les « </a:t>
-            </a:r>
-            <a:r>
-              <a:rPr lang="fr-FR" dirty="0" err="1" smtClean="0"/>
-              <a:t>CaseListes</a:t>
-            </a:r>
-            <a:r>
-              <a:rPr lang="fr-FR" dirty="0" smtClean="0"/>
-              <a:t> »</a:t>
+              <a:t>Début de Partie</a:t>
             </a:r>
             <a:endParaRPr lang="fr-FR" dirty="0"/>
           </a:p>
         </p:txBody>
       </p:sp>
-      <p:sp>
-        <p:nvSpPr>
-          <p:cNvPr id="3" name="Espace réservé du contenu 2"/>
-          <p:cNvSpPr>
-            <a:spLocks noGrp="1"/>
-          </p:cNvSpPr>
+      <p:pic>
+        <p:nvPicPr>
+          <p:cNvPr id="4" name="Espace réservé du contenu 3" descr="Test partie (début 2).jpg"/>
+          <p:cNvPicPr>
+            <a:picLocks noGrp="1" noChangeAspect="1"/>
+          </p:cNvPicPr>
           <p:nvPr>
             <p:ph idx="1"/>
           </p:nvPr>
-        </p:nvSpPr>
-        <p:spPr/>
-        <p:txBody>
-          <a:bodyPr>
-            <a:normAutofit fontScale="92500" lnSpcReduction="10000"/>
-          </a:bodyPr>
-          <a:lstStyle/>
-          <a:p>
-            <a:r>
-              <a:rPr lang="fr-FR" dirty="0" smtClean="0"/>
-              <a:t>Exemple: [(105, 105), 1, 0, 1]</a:t>
-            </a:r>
-          </a:p>
-          <a:p>
-            <a:pPr lvl="1"/>
-            <a:r>
-              <a:rPr lang="fr-FR" dirty="0" smtClean="0"/>
-              <a:t>1</a:t>
-            </a:r>
-            <a:r>
-              <a:rPr lang="fr-FR" baseline="30000" dirty="0" smtClean="0"/>
-              <a:t>er</a:t>
-            </a:r>
-            <a:r>
-              <a:rPr lang="fr-FR" dirty="0" smtClean="0"/>
-              <a:t> terme: Tuple Coordonné</a:t>
-            </a:r>
-          </a:p>
-          <a:p>
-            <a:pPr lvl="1"/>
-            <a:r>
-              <a:rPr lang="fr-FR" dirty="0" smtClean="0"/>
-              <a:t>2</a:t>
-            </a:r>
-            <a:r>
-              <a:rPr lang="fr-FR" baseline="30000" dirty="0" smtClean="0"/>
-              <a:t>e</a:t>
-            </a:r>
-            <a:r>
-              <a:rPr lang="fr-FR" dirty="0" smtClean="0"/>
-              <a:t> terme: variable « Bateau/ Pas Bateau »</a:t>
-            </a:r>
-          </a:p>
-          <a:p>
-            <a:pPr lvl="1"/>
-            <a:r>
-              <a:rPr lang="fr-FR" dirty="0" smtClean="0"/>
-              <a:t>3</a:t>
-            </a:r>
-            <a:r>
-              <a:rPr lang="fr-FR" baseline="30000" dirty="0" smtClean="0"/>
-              <a:t>e</a:t>
-            </a:r>
-            <a:r>
-              <a:rPr lang="fr-FR" dirty="0" smtClean="0"/>
-              <a:t> terme: variable « Touché/Pas Touché »</a:t>
-            </a:r>
-          </a:p>
-          <a:p>
-            <a:pPr lvl="1"/>
-            <a:r>
-              <a:rPr lang="fr-FR" dirty="0" smtClean="0"/>
-              <a:t>4</a:t>
-            </a:r>
-            <a:r>
-              <a:rPr lang="fr-FR" baseline="30000" dirty="0" smtClean="0"/>
-              <a:t>e</a:t>
-            </a:r>
-            <a:r>
-              <a:rPr lang="fr-FR" dirty="0" smtClean="0"/>
-              <a:t> terme: variable « Vérifier/Pas Vérifier »</a:t>
-            </a:r>
-          </a:p>
-          <a:p>
-            <a:r>
-              <a:rPr lang="fr-FR" dirty="0" smtClean="0"/>
-              <a:t>Utilité:  </a:t>
-            </a:r>
-            <a:r>
-              <a:rPr lang="fr-FR" dirty="0" err="1" smtClean="0"/>
-              <a:t>Virtualiser</a:t>
-            </a:r>
-            <a:r>
-              <a:rPr lang="fr-FR" dirty="0" smtClean="0"/>
-              <a:t> la grille (pour l’ordinateur)</a:t>
-            </a:r>
-          </a:p>
-          <a:p>
-            <a:pPr lvl="1"/>
-            <a:r>
-              <a:rPr lang="fr-FR" dirty="0" smtClean="0"/>
-              <a:t>Gérer le jeu simplement et efficacement</a:t>
-            </a:r>
-          </a:p>
-          <a:p>
-            <a:pPr lvl="1"/>
-            <a:r>
-              <a:rPr lang="fr-FR" dirty="0" smtClean="0"/>
-              <a:t>Intégration dans les grilles: « Grille » et « Grille2 » (contenant les cases de chaque grille dans l’ordre)</a:t>
-            </a:r>
-            <a:endParaRPr lang="fr-FR" dirty="0"/>
-          </a:p>
-        </p:txBody>
-      </p:sp>
+        </p:nvPicPr>
+        <p:blipFill>
+          <a:blip r:embed="rId2"/>
+          <a:srcRect/>
+          <a:stretch>
+            <a:fillRect/>
+          </a:stretch>
+        </p:blipFill>
+        <p:spPr>
+          <a:xfrm>
+            <a:off x="16340" y="1378389"/>
+            <a:ext cx="9127660" cy="5479611"/>
+          </a:xfrm>
+        </p:spPr>
+      </p:pic>
     </p:spTree>
   </p:cSld>
   <p:clrMapOvr>
@@ -5022,106 +5688,42 @@
             <p:ph type="title"/>
           </p:nvPr>
         </p:nvSpPr>
+        <p:spPr/>
+        <p:txBody>
+          <a:bodyPr/>
+          <a:lstStyle/>
+          <a:p>
+            <a:r>
+              <a:rPr lang="fr-FR" dirty="0" smtClean="0"/>
+              <a:t>Milieu de Partie</a:t>
+            </a:r>
+            <a:endParaRPr lang="fr-FR" dirty="0"/>
+          </a:p>
+        </p:txBody>
+      </p:sp>
+      <p:pic>
+        <p:nvPicPr>
+          <p:cNvPr id="4" name="Espace réservé du contenu 3" descr="Test partie (Inter 4).jpg"/>
+          <p:cNvPicPr>
+            <a:picLocks noGrp="1" noChangeAspect="1"/>
+          </p:cNvPicPr>
+          <p:nvPr>
+            <p:ph idx="1"/>
+          </p:nvPr>
+        </p:nvPicPr>
+        <p:blipFill>
+          <a:blip r:embed="rId2"/>
+          <a:stretch>
+            <a:fillRect/>
+          </a:stretch>
+        </p:blipFill>
         <p:spPr>
           <a:xfrm>
-            <a:off x="1071538" y="274638"/>
-            <a:ext cx="8072462" cy="1143000"/>
+            <a:off x="0" y="1383681"/>
+            <a:ext cx="9144000" cy="5474319"/>
           </a:xfrm>
         </p:spPr>
-        <p:txBody>
-          <a:bodyPr>
-            <a:normAutofit fontScale="90000"/>
-          </a:bodyPr>
-          <a:lstStyle/>
-          <a:p>
-            <a:r>
-              <a:rPr lang="fr-FR" sz="3600" b="1" dirty="0" smtClean="0"/>
-              <a:t>Le Positionnement d’un Navire du Joueur</a:t>
-            </a:r>
-            <a:endParaRPr lang="fr-FR" sz="3600" b="1" dirty="0"/>
-          </a:p>
-        </p:txBody>
-      </p:sp>
-      <p:sp>
-        <p:nvSpPr>
-          <p:cNvPr id="3" name="Espace réservé du contenu 2"/>
-          <p:cNvSpPr>
-            <a:spLocks noGrp="1"/>
-          </p:cNvSpPr>
-          <p:nvPr>
-            <p:ph idx="1"/>
-          </p:nvPr>
-        </p:nvSpPr>
-        <p:spPr>
-          <a:xfrm>
-            <a:off x="1071538" y="1447800"/>
-            <a:ext cx="8072462" cy="4800600"/>
-          </a:xfrm>
-        </p:spPr>
-        <p:txBody>
-          <a:bodyPr>
-            <a:normAutofit/>
-          </a:bodyPr>
-          <a:lstStyle/>
-          <a:p>
-            <a:r>
-              <a:rPr lang="fr-FR" dirty="0" smtClean="0"/>
-              <a:t>5 étapes:</a:t>
-            </a:r>
-          </a:p>
-          <a:p>
-            <a:pPr lvl="1"/>
-            <a:r>
-              <a:rPr lang="fr-FR" dirty="0" smtClean="0"/>
-              <a:t>1 – entrer le navire et sa case</a:t>
-            </a:r>
-          </a:p>
-          <a:p>
-            <a:pPr lvl="1"/>
-            <a:r>
-              <a:rPr lang="fr-FR" dirty="0" smtClean="0"/>
-              <a:t>2 – vérifier qu’il puisse être placé à l’emplacement voulu (« </a:t>
-            </a:r>
-            <a:r>
-              <a:rPr lang="fr-FR" dirty="0" err="1" smtClean="0"/>
-              <a:t>vérif</a:t>
-            </a:r>
-            <a:r>
-              <a:rPr lang="fr-FR" dirty="0" smtClean="0"/>
-              <a:t> brute »)</a:t>
-            </a:r>
-          </a:p>
-          <a:p>
-            <a:pPr lvl="1"/>
-            <a:r>
-              <a:rPr lang="fr-FR" dirty="0" smtClean="0"/>
-              <a:t>3 – Intégrer le navire virtuellement (à l’aide de la variable « Bateau/ Pas Bateau »)</a:t>
-            </a:r>
-          </a:p>
-          <a:p>
-            <a:pPr lvl="1"/>
-            <a:r>
-              <a:rPr lang="fr-FR" dirty="0" smtClean="0"/>
-              <a:t>4 – affichage graphique du navire</a:t>
-            </a:r>
-          </a:p>
-          <a:p>
-            <a:pPr lvl="1"/>
-            <a:r>
-              <a:rPr lang="fr-FR" dirty="0" smtClean="0"/>
-              <a:t>5 – Vérification du respect des règles (en fin, « </a:t>
-            </a:r>
-            <a:r>
-              <a:rPr lang="fr-FR" dirty="0" err="1" smtClean="0"/>
-              <a:t>vérif</a:t>
-            </a:r>
-            <a:r>
-              <a:rPr lang="fr-FR" dirty="0" smtClean="0"/>
-              <a:t> finale »)</a:t>
-            </a:r>
-          </a:p>
-        </p:txBody>
-      </p:sp>
+      </p:pic>
     </p:spTree>
   </p:cSld>
   <p:clrMapOvr>
@@ -5166,162 +5768,40 @@
         </p:nvSpPr>
         <p:spPr/>
         <p:txBody>
-          <a:bodyPr>
-            <a:normAutofit fontScale="90000"/>
-          </a:bodyPr>
+          <a:bodyPr/>
           <a:lstStyle/>
           <a:p>
             <a:r>
               <a:rPr lang="fr-FR" dirty="0" smtClean="0"/>
-              <a:t>Programme de Recherche de l’IA</a:t>
+              <a:t>Fin de Partie (cas de défaite)</a:t>
             </a:r>
             <a:endParaRPr lang="fr-FR" dirty="0"/>
           </a:p>
         </p:txBody>
       </p:sp>
-      <p:sp>
-        <p:nvSpPr>
-          <p:cNvPr id="3" name="Espace réservé du contenu 2"/>
-          <p:cNvSpPr>
-            <a:spLocks noGrp="1"/>
-          </p:cNvSpPr>
+      <p:pic>
+        <p:nvPicPr>
+          <p:cNvPr id="4" name="Espace réservé du contenu 3" descr="Test partie (Fin 2 - plateau).jpg"/>
+          <p:cNvPicPr>
+            <a:picLocks noGrp="1" noChangeAspect="1"/>
+          </p:cNvPicPr>
           <p:nvPr>
             <p:ph idx="1"/>
           </p:nvPr>
-        </p:nvSpPr>
+        </p:nvPicPr>
+        <p:blipFill>
+          <a:blip r:embed="rId2"/>
+          <a:stretch>
+            <a:fillRect/>
+          </a:stretch>
+        </p:blipFill>
         <p:spPr>
           <a:xfrm>
-            <a:off x="1435608" y="1447800"/>
-            <a:ext cx="7498080" cy="4981596"/>
+            <a:off x="-1" y="1357298"/>
+            <a:ext cx="9130991" cy="5466531"/>
           </a:xfrm>
         </p:spPr>
-        <p:txBody>
-          <a:bodyPr>
-            <a:normAutofit fontScale="85000" lnSpcReduction="10000"/>
-          </a:bodyPr>
-          <a:lstStyle/>
-          <a:p>
-            <a:r>
-              <a:rPr lang="fr-FR" dirty="0" smtClean="0"/>
-              <a:t>3 stratégies</a:t>
-            </a:r>
-          </a:p>
-          <a:p>
-            <a:pPr lvl="1"/>
-            <a:r>
-              <a:rPr lang="fr-FR" dirty="0" smtClean="0"/>
-              <a:t>De </a:t>
-            </a:r>
-            <a:r>
-              <a:rPr lang="fr-FR" dirty="0" smtClean="0"/>
-              <a:t>A </a:t>
-            </a:r>
-            <a:r>
-              <a:rPr lang="fr-FR" dirty="0" smtClean="0">
-                <a:sym typeface="Wingdings" pitchFamily="2" charset="2"/>
-              </a:rPr>
-              <a:t></a:t>
-            </a:r>
-            <a:r>
-              <a:rPr lang="fr-FR" dirty="0" smtClean="0"/>
-              <a:t> T</a:t>
-            </a:r>
-            <a:endParaRPr lang="fr-FR" dirty="0" smtClean="0"/>
-          </a:p>
-          <a:p>
-            <a:pPr lvl="1"/>
-            <a:r>
-              <a:rPr lang="fr-FR" dirty="0" smtClean="0"/>
-              <a:t>De </a:t>
-            </a:r>
-            <a:r>
-              <a:rPr lang="fr-FR" dirty="0" smtClean="0"/>
-              <a:t>T </a:t>
-            </a:r>
-            <a:r>
-              <a:rPr lang="fr-FR" dirty="0" smtClean="0">
-                <a:sym typeface="Wingdings" pitchFamily="2" charset="2"/>
-              </a:rPr>
-              <a:t> </a:t>
-            </a:r>
-            <a:r>
-              <a:rPr lang="fr-FR" dirty="0" smtClean="0"/>
-              <a:t>A</a:t>
-            </a:r>
-            <a:endParaRPr lang="fr-FR" dirty="0" smtClean="0"/>
-          </a:p>
-          <a:p>
-            <a:pPr lvl="1"/>
-            <a:r>
-              <a:rPr lang="fr-FR" dirty="0" smtClean="0"/>
-              <a:t>De manière aléatoire</a:t>
-            </a:r>
-            <a:endParaRPr lang="fr-FR" dirty="0" smtClean="0"/>
-          </a:p>
-          <a:p>
-            <a:pPr lvl="1">
-              <a:buNone/>
-            </a:pPr>
-            <a:r>
-              <a:rPr lang="fr-FR" dirty="0" smtClean="0">
-                <a:sym typeface="Wingdings" pitchFamily="2" charset="2"/>
-              </a:rPr>
-              <a:t> Changement successif entre les </a:t>
-            </a:r>
-            <a:r>
-              <a:rPr lang="fr-FR" dirty="0" smtClean="0">
-                <a:sym typeface="Wingdings" pitchFamily="2" charset="2"/>
-              </a:rPr>
-              <a:t>trois</a:t>
-            </a:r>
-            <a:endParaRPr lang="fr-FR" dirty="0" smtClean="0"/>
-          </a:p>
-          <a:p>
-            <a:r>
-              <a:rPr lang="fr-FR" dirty="0" smtClean="0"/>
-              <a:t>Utilise une liste comportant la moitié des cases de la grille du joueur (décompté une sur deux)</a:t>
-            </a:r>
-          </a:p>
-          <a:p>
-            <a:r>
-              <a:rPr lang="fr-FR" dirty="0" smtClean="0"/>
-              <a:t>Affiche la case touché</a:t>
-            </a:r>
-          </a:p>
-          <a:p>
-            <a:pPr marL="612648" lvl="2" indent="-283464">
-              <a:spcBef>
-                <a:spcPts val="600"/>
-              </a:spcBef>
-              <a:buSzPct val="80000"/>
-              <a:buFont typeface="Courier New" pitchFamily="49" charset="0"/>
-              <a:buChar char="o"/>
-            </a:pPr>
-            <a:r>
-              <a:rPr lang="fr-FR" dirty="0" smtClean="0"/>
-              <a:t>Utilisation de Dictionnaire « Dico_IA » généré par une </a:t>
-            </a:r>
-            <a:r>
-              <a:rPr lang="fr-FR" dirty="0" smtClean="0"/>
-              <a:t>fonction</a:t>
-            </a:r>
-          </a:p>
-          <a:p>
-            <a:r>
-              <a:rPr lang="fr-FR" dirty="0" smtClean="0"/>
-              <a:t>Pour couler les navires touché, l’IA utilise d’autres fonctions</a:t>
-            </a:r>
-          </a:p>
-          <a:p>
-            <a:pPr lvl="1">
-              <a:buNone/>
-            </a:pPr>
-            <a:endParaRPr lang="fr-FR" dirty="0" smtClean="0">
-              <a:sym typeface="Wingdings" pitchFamily="2" charset="2"/>
-            </a:endParaRPr>
-          </a:p>
-        </p:txBody>
-      </p:sp>
+      </p:pic>
     </p:spTree>
   </p:cSld>
   <p:clrMapOvr>
@@ -5354,34 +5834,9 @@
           <a:chExt cx="0" cy="0"/>
         </a:xfrm>
       </p:grpSpPr>
-      <p:sp>
-        <p:nvSpPr>
-          <p:cNvPr id="2" name="Titre 1"/>
-          <p:cNvSpPr>
-            <a:spLocks noGrp="1"/>
-          </p:cNvSpPr>
-          <p:nvPr>
-            <p:ph type="title"/>
-          </p:nvPr>
-        </p:nvSpPr>
-        <p:spPr/>
-        <p:txBody>
-          <a:bodyPr>
-            <a:normAutofit fontScale="90000"/>
-          </a:bodyPr>
-          <a:lstStyle/>
-          <a:p>
-            <a:r>
-              <a:rPr lang="fr-FR" dirty="0" smtClean="0"/>
-              <a:t>Fonction générant le « Dico_IA »</a:t>
-            </a:r>
-            <a:endParaRPr lang="fr-FR" dirty="0"/>
-          </a:p>
-        </p:txBody>
-      </p:sp>
       <p:pic>
         <p:nvPicPr>
-          <p:cNvPr id="4" name="Espace réservé du contenu 3" descr="Création Dico_IA.jpg"/>
+          <p:cNvPr id="4" name="Espace réservé du contenu 3" descr="Test partie (Fin 2 - console).jpg"/>
           <p:cNvPicPr>
             <a:picLocks noGrp="1" noChangeAspect="1"/>
           </p:cNvPicPr>
@@ -5391,17 +5846,41 @@
         </p:nvPicPr>
         <p:blipFill>
           <a:blip r:embed="rId2"/>
+          <a:srcRect l="17249" t="17647" r="27480" b="34720"/>
           <a:stretch>
             <a:fillRect/>
           </a:stretch>
         </p:blipFill>
         <p:spPr>
           <a:xfrm>
-            <a:off x="0" y="1428736"/>
-            <a:ext cx="9144000" cy="4258068"/>
+            <a:off x="0" y="1357298"/>
+            <a:ext cx="9174956" cy="4716907"/>
           </a:xfrm>
         </p:spPr>
       </p:pic>
+      <p:sp>
+        <p:nvSpPr>
+          <p:cNvPr id="2" name="Titre 1"/>
+          <p:cNvSpPr>
+            <a:spLocks noGrp="1"/>
+          </p:cNvSpPr>
+          <p:nvPr>
+            <p:ph type="title"/>
+          </p:nvPr>
+        </p:nvSpPr>
+        <p:spPr/>
+        <p:txBody>
+          <a:bodyPr/>
+          <a:lstStyle/>
+          <a:p>
+            <a:r>
+              <a:rPr lang="fr-FR" dirty="0" smtClean="0"/>
+              <a:t>Fin de Partie (cas de défaite)</a:t>
+            </a:r>
+            <a:endParaRPr lang="fr-FR" dirty="0"/>
+          </a:p>
+        </p:txBody>
+      </p:sp>
     </p:spTree>
   </p:cSld>
   <p:clrMapOvr>
